--- a/Data Structures/Sets.pptx
+++ b/Data Structures/Sets.pptx
@@ -5,15 +5,13 @@
     <p:sldMasterId id="2147483648" r:id="rId1"/>
   </p:sldMasterIdLst>
   <p:notesMasterIdLst>
-    <p:notesMasterId r:id="rId5"/>
+    <p:notesMasterId r:id="rId3"/>
   </p:notesMasterIdLst>
   <p:handoutMasterIdLst>
-    <p:handoutMasterId r:id="rId6"/>
+    <p:handoutMasterId r:id="rId4"/>
   </p:handoutMasterIdLst>
   <p:sldIdLst>
     <p:sldId id="257" r:id="rId2"/>
-    <p:sldId id="259" r:id="rId3"/>
-    <p:sldId id="260" r:id="rId4"/>
   </p:sldIdLst>
   <p:sldSz cx="12192000" cy="6858000"/>
   <p:notesSz cx="6858000" cy="9144000"/>
@@ -206,7 +204,7 @@
           <a:p>
             <a:fld id="{0BDBD1D9-3FDD-4C60-943B-7DAF7F36BBC8}" type="datetimeFigureOut">
               <a:rPr lang="en-US" smtClean="0"/>
-              <a:t>4/15/2023</a:t>
+              <a:t>4/18/2023</a:t>
             </a:fld>
             <a:endParaRPr lang="en-US"/>
           </a:p>
@@ -376,7 +374,7 @@
           <a:p>
             <a:fld id="{9D616595-FEC1-48C1-9F92-C9F2B53F8F7E}" type="datetimeFigureOut">
               <a:rPr lang="en-US" smtClean="0"/>
-              <a:t>4/15/2023</a:t>
+              <a:t>4/18/2023</a:t>
             </a:fld>
             <a:endParaRPr lang="en-US"/>
           </a:p>
@@ -774,9 +772,9 @@
           <a:bodyPr/>
           <a:lstStyle/>
           <a:p>
-            <a:fld id="{B6B7FAE0-0E2F-46B3-8201-91E6E9B9B009}" type="datetime1">
-              <a:rPr lang="en-US" smtClean="0"/>
-              <a:t>4/15/2023</a:t>
+            <a:fld id="{E7CEE8C3-5F66-48A4-BF63-CF0366062B59}" type="datetime1">
+              <a:rPr lang="en-US" smtClean="0"/>
+              <a:t>4/18/2023</a:t>
             </a:fld>
             <a:endParaRPr lang="en-US"/>
           </a:p>
@@ -799,7 +797,7 @@
           <a:p>
             <a:r>
               <a:rPr lang="en-US" smtClean="0"/>
-              <a:t>Data Structures</a:t>
+              <a:t>Set</a:t>
             </a:r>
             <a:endParaRPr lang="en-US"/>
           </a:p>
@@ -948,9 +946,9 @@
           <a:bodyPr/>
           <a:lstStyle/>
           <a:p>
-            <a:fld id="{B5E1F229-E5A2-4C35-8F60-41C0B4B8982D}" type="datetime1">
-              <a:rPr lang="en-US" smtClean="0"/>
-              <a:t>4/15/2023</a:t>
+            <a:fld id="{AACE9D50-BBC6-42F9-80A4-BA440CA40F03}" type="datetime1">
+              <a:rPr lang="en-US" smtClean="0"/>
+              <a:t>4/18/2023</a:t>
             </a:fld>
             <a:endParaRPr lang="en-US"/>
           </a:p>
@@ -973,7 +971,7 @@
           <a:p>
             <a:r>
               <a:rPr lang="en-US" smtClean="0"/>
-              <a:t>Data Structures</a:t>
+              <a:t>Set</a:t>
             </a:r>
             <a:endParaRPr lang="en-US"/>
           </a:p>
@@ -1132,9 +1130,9 @@
           <a:bodyPr/>
           <a:lstStyle/>
           <a:p>
-            <a:fld id="{AEC696E9-F878-4549-9CE6-89505440F0C4}" type="datetime1">
-              <a:rPr lang="en-US" smtClean="0"/>
-              <a:t>4/15/2023</a:t>
+            <a:fld id="{FE90B8D9-C47D-4B0C-A20D-064DCCEF550F}" type="datetime1">
+              <a:rPr lang="en-US" smtClean="0"/>
+              <a:t>4/18/2023</a:t>
             </a:fld>
             <a:endParaRPr lang="en-US"/>
           </a:p>
@@ -1157,7 +1155,7 @@
           <a:p>
             <a:r>
               <a:rPr lang="en-US" smtClean="0"/>
-              <a:t>Data Structures</a:t>
+              <a:t>Set</a:t>
             </a:r>
             <a:endParaRPr lang="en-US"/>
           </a:p>
@@ -1306,9 +1304,9 @@
           <a:bodyPr/>
           <a:lstStyle/>
           <a:p>
-            <a:fld id="{65B9B7B7-040C-48DF-90E7-24B60089BDA7}" type="datetime1">
-              <a:rPr lang="en-US" smtClean="0"/>
-              <a:t>4/15/2023</a:t>
+            <a:fld id="{143E8028-FE40-42B3-84E2-05E7740F0698}" type="datetime1">
+              <a:rPr lang="en-US" smtClean="0"/>
+              <a:t>4/18/2023</a:t>
             </a:fld>
             <a:endParaRPr lang="en-US"/>
           </a:p>
@@ -1331,7 +1329,7 @@
           <a:p>
             <a:r>
               <a:rPr lang="en-US" smtClean="0"/>
-              <a:t>Data Structures</a:t>
+              <a:t>Set</a:t>
             </a:r>
             <a:endParaRPr lang="en-US"/>
           </a:p>
@@ -1556,9 +1554,9 @@
           <a:bodyPr/>
           <a:lstStyle/>
           <a:p>
-            <a:fld id="{22EC016E-244F-4B07-B4BC-314D748F5853}" type="datetime1">
-              <a:rPr lang="en-US" smtClean="0"/>
-              <a:t>4/15/2023</a:t>
+            <a:fld id="{1AE139A4-35BB-4907-977B-AA83A9706F6D}" type="datetime1">
+              <a:rPr lang="en-US" smtClean="0"/>
+              <a:t>4/18/2023</a:t>
             </a:fld>
             <a:endParaRPr lang="en-US"/>
           </a:p>
@@ -1581,7 +1579,7 @@
           <a:p>
             <a:r>
               <a:rPr lang="en-US" smtClean="0"/>
-              <a:t>Data Structures</a:t>
+              <a:t>Set</a:t>
             </a:r>
             <a:endParaRPr lang="en-US"/>
           </a:p>
@@ -1792,9 +1790,9 @@
           <a:bodyPr/>
           <a:lstStyle/>
           <a:p>
-            <a:fld id="{A892E0EA-252A-45D6-B969-59F7EDC4D784}" type="datetime1">
-              <a:rPr lang="en-US" smtClean="0"/>
-              <a:t>4/15/2023</a:t>
+            <a:fld id="{36416786-860F-494E-BA05-B56EE950E22F}" type="datetime1">
+              <a:rPr lang="en-US" smtClean="0"/>
+              <a:t>4/18/2023</a:t>
             </a:fld>
             <a:endParaRPr lang="en-US"/>
           </a:p>
@@ -1817,7 +1815,7 @@
           <a:p>
             <a:r>
               <a:rPr lang="en-US" smtClean="0"/>
-              <a:t>Data Structures</a:t>
+              <a:t>Set</a:t>
             </a:r>
             <a:endParaRPr lang="en-US"/>
           </a:p>
@@ -2163,9 +2161,9 @@
           <a:bodyPr/>
           <a:lstStyle/>
           <a:p>
-            <a:fld id="{659E6B5E-4CF8-4009-96C5-9AF730EBDE63}" type="datetime1">
-              <a:rPr lang="en-US" smtClean="0"/>
-              <a:t>4/15/2023</a:t>
+            <a:fld id="{6BB1FE58-1FC8-49AD-8C21-C79C06B1FF29}" type="datetime1">
+              <a:rPr lang="en-US" smtClean="0"/>
+              <a:t>4/18/2023</a:t>
             </a:fld>
             <a:endParaRPr lang="en-US"/>
           </a:p>
@@ -2188,7 +2186,7 @@
           <a:p>
             <a:r>
               <a:rPr lang="en-US" smtClean="0"/>
-              <a:t>Data Structures</a:t>
+              <a:t>Set</a:t>
             </a:r>
             <a:endParaRPr lang="en-US"/>
           </a:p>
@@ -2285,9 +2283,9 @@
           <a:bodyPr/>
           <a:lstStyle/>
           <a:p>
-            <a:fld id="{D27109C5-2C47-46B2-9DFB-E1CFDD15C7EF}" type="datetime1">
-              <a:rPr lang="en-US" smtClean="0"/>
-              <a:t>4/15/2023</a:t>
+            <a:fld id="{CF88FA55-2E35-41EB-AB9D-6E8C3C616619}" type="datetime1">
+              <a:rPr lang="en-US" smtClean="0"/>
+              <a:t>4/18/2023</a:t>
             </a:fld>
             <a:endParaRPr lang="en-US"/>
           </a:p>
@@ -2310,7 +2308,7 @@
           <a:p>
             <a:r>
               <a:rPr lang="en-US" smtClean="0"/>
-              <a:t>Data Structures</a:t>
+              <a:t>Set</a:t>
             </a:r>
             <a:endParaRPr lang="en-US"/>
           </a:p>
@@ -2384,9 +2382,9 @@
           <a:bodyPr/>
           <a:lstStyle/>
           <a:p>
-            <a:fld id="{86D6E499-D4FC-4A15-8D3C-923D81848AAD}" type="datetime1">
-              <a:rPr lang="en-US" smtClean="0"/>
-              <a:t>4/15/2023</a:t>
+            <a:fld id="{054E34C4-094B-48B0-B141-0727049BC99C}" type="datetime1">
+              <a:rPr lang="en-US" smtClean="0"/>
+              <a:t>4/18/2023</a:t>
             </a:fld>
             <a:endParaRPr lang="en-US"/>
           </a:p>
@@ -2409,7 +2407,7 @@
           <a:p>
             <a:r>
               <a:rPr lang="en-US" smtClean="0"/>
-              <a:t>Data Structures</a:t>
+              <a:t>Set</a:t>
             </a:r>
             <a:endParaRPr lang="en-US"/>
           </a:p>
@@ -2665,9 +2663,9 @@
           <a:bodyPr/>
           <a:lstStyle/>
           <a:p>
-            <a:fld id="{FC71C662-0A09-434E-AAE5-5159A3DAB153}" type="datetime1">
-              <a:rPr lang="en-US" smtClean="0"/>
-              <a:t>4/15/2023</a:t>
+            <a:fld id="{698995A4-1FC7-4376-B081-52A8AB688586}" type="datetime1">
+              <a:rPr lang="en-US" smtClean="0"/>
+              <a:t>4/18/2023</a:t>
             </a:fld>
             <a:endParaRPr lang="en-US"/>
           </a:p>
@@ -2690,7 +2688,7 @@
           <a:p>
             <a:r>
               <a:rPr lang="en-US" smtClean="0"/>
-              <a:t>Data Structures</a:t>
+              <a:t>Set</a:t>
             </a:r>
             <a:endParaRPr lang="en-US"/>
           </a:p>
@@ -2922,9 +2920,9 @@
           <a:bodyPr/>
           <a:lstStyle/>
           <a:p>
-            <a:fld id="{96E1C0E6-B513-446F-AAA1-CA5A4B0FD833}" type="datetime1">
-              <a:rPr lang="en-US" smtClean="0"/>
-              <a:t>4/15/2023</a:t>
+            <a:fld id="{A6D9737A-5CA0-4105-BB88-EB9ED8FECC67}" type="datetime1">
+              <a:rPr lang="en-US" smtClean="0"/>
+              <a:t>4/18/2023</a:t>
             </a:fld>
             <a:endParaRPr lang="en-US"/>
           </a:p>
@@ -2947,7 +2945,7 @@
           <a:p>
             <a:r>
               <a:rPr lang="en-US" smtClean="0"/>
-              <a:t>Data Structures</a:t>
+              <a:t>Set</a:t>
             </a:r>
             <a:endParaRPr lang="en-US"/>
           </a:p>
@@ -3139,9 +3137,9 @@
             </a:lvl1pPr>
           </a:lstStyle>
           <a:p>
-            <a:fld id="{EEB9B53E-3028-47A0-AB40-E02EC842F787}" type="datetime1">
-              <a:rPr lang="en-US" smtClean="0"/>
-              <a:t>4/15/2023</a:t>
+            <a:fld id="{8A8129E7-AE2C-4657-B703-3C71F0445737}" type="datetime1">
+              <a:rPr lang="en-US" smtClean="0"/>
+              <a:t>4/18/2023</a:t>
             </a:fld>
             <a:endParaRPr lang="en-US"/>
           </a:p>
@@ -3182,7 +3180,7 @@
           <a:p>
             <a:r>
               <a:rPr lang="en-US" smtClean="0"/>
-              <a:t>Data Structures</a:t>
+              <a:t>Set</a:t>
             </a:r>
             <a:endParaRPr lang="en-US"/>
           </a:p>
@@ -3553,12 +3551,102 @@
       </p:grpSpPr>
       <p:sp>
         <p:nvSpPr>
-          <p:cNvPr id="8" name="Title 7"/>
-          <p:cNvSpPr>
-            <a:spLocks noGrp="1"/>
-          </p:cNvSpPr>
-          <p:nvPr>
-            <p:ph type="title"/>
+          <p:cNvPr id="9" name="Content Placeholder 8"/>
+          <p:cNvSpPr>
+            <a:spLocks noGrp="1"/>
+          </p:cNvSpPr>
+          <p:nvPr>
+            <p:ph idx="1"/>
+          </p:nvPr>
+        </p:nvSpPr>
+        <p:spPr>
+          <a:xfrm>
+            <a:off x="838200" y="778933"/>
+            <a:ext cx="10515600" cy="5398030"/>
+          </a:xfrm>
+        </p:spPr>
+        <p:txBody>
+          <a:bodyPr>
+            <a:normAutofit fontScale="92500"/>
+          </a:bodyPr>
+          <a:lstStyle/>
+          <a:p>
+            <a:r>
+              <a:rPr lang="en-US" dirty="0" smtClean="0"/>
+              <a:t>A set is a data structure that can hold a collection of values. The values however must be unique.</a:t>
+            </a:r>
+          </a:p>
+          <a:p>
+            <a:r>
+              <a:rPr lang="en-US" dirty="0" smtClean="0"/>
+              <a:t>Set can contain mix of different data types. You can store strings, Booleans, numbers or even objects all in the same set.</a:t>
+            </a:r>
+          </a:p>
+          <a:p>
+            <a:r>
+              <a:rPr lang="en-US" dirty="0" smtClean="0"/>
+              <a:t>Sets are dynamically sized. You don’t have to declare the size of set before creating it. </a:t>
+            </a:r>
+          </a:p>
+          <a:p>
+            <a:r>
+              <a:rPr lang="en-US" dirty="0" smtClean="0"/>
+              <a:t>Sets do not maintain an insertion order</a:t>
+            </a:r>
+          </a:p>
+          <a:p>
+            <a:r>
+              <a:rPr lang="en-US" dirty="0" smtClean="0"/>
+              <a:t>Sets are </a:t>
+            </a:r>
+            <a:r>
+              <a:rPr lang="en-US" dirty="0" err="1" smtClean="0"/>
+              <a:t>iterables</a:t>
+            </a:r>
+            <a:r>
+              <a:rPr lang="en-US" dirty="0" smtClean="0"/>
+              <a:t>. They can be </a:t>
+            </a:r>
+            <a:r>
+              <a:rPr lang="en-US" dirty="0" smtClean="0"/>
+              <a:t>used with a for of loop.</a:t>
+            </a:r>
+          </a:p>
+          <a:p>
+            <a:r>
+              <a:rPr lang="en-US" dirty="0" smtClean="0"/>
+              <a:t>Set vs Array</a:t>
+            </a:r>
+          </a:p>
+          <a:p>
+            <a:r>
+              <a:rPr lang="en-US" dirty="0" smtClean="0"/>
+              <a:t>Arrays can contain duplicate values whereas sets cannot</a:t>
+            </a:r>
+          </a:p>
+          <a:p>
+            <a:r>
+              <a:rPr lang="en-US" dirty="0" smtClean="0"/>
+              <a:t>Insertion order is maintained in arrays but it is not the case with sets</a:t>
+            </a:r>
+          </a:p>
+          <a:p>
+            <a:r>
+              <a:rPr lang="en-US" dirty="0" smtClean="0"/>
+              <a:t>Searching and deleting an element I the sets is faster compared to arrays</a:t>
+            </a:r>
+            <a:endParaRPr lang="en-US" dirty="0"/>
+          </a:p>
+        </p:txBody>
+      </p:sp>
+      <p:sp>
+        <p:nvSpPr>
+          <p:cNvPr id="5" name="Footer Placeholder 4"/>
+          <p:cNvSpPr>
+            <a:spLocks noGrp="1"/>
+          </p:cNvSpPr>
+          <p:nvPr>
+            <p:ph type="ftr" sz="quarter" idx="11"/>
           </p:nvPr>
         </p:nvSpPr>
         <p:spPr/>
@@ -3566,51 +3654,13 @@
           <a:bodyPr/>
           <a:lstStyle/>
           <a:p>
-            <a:endParaRPr lang="en-US"/>
-          </a:p>
-        </p:txBody>
-      </p:sp>
-      <p:sp>
-        <p:nvSpPr>
-          <p:cNvPr id="9" name="Content Placeholder 8"/>
-          <p:cNvSpPr>
-            <a:spLocks noGrp="1"/>
-          </p:cNvSpPr>
-          <p:nvPr>
-            <p:ph idx="1"/>
-          </p:nvPr>
-        </p:nvSpPr>
-        <p:spPr/>
-        <p:txBody>
-          <a:bodyPr/>
-          <a:lstStyle/>
-          <a:p>
-            <a:endParaRPr lang="en-US" dirty="0"/>
-          </a:p>
-        </p:txBody>
-      </p:sp>
-      <p:sp>
-        <p:nvSpPr>
-          <p:cNvPr id="5" name="Footer Placeholder 4"/>
-          <p:cNvSpPr>
-            <a:spLocks noGrp="1"/>
-          </p:cNvSpPr>
-          <p:nvPr>
-            <p:ph type="ftr" sz="quarter" idx="11"/>
-          </p:nvPr>
-        </p:nvSpPr>
-        <p:spPr/>
-        <p:txBody>
-          <a:bodyPr/>
-          <a:lstStyle/>
-          <a:p>
-            <a:r>
-              <a:rPr lang="en-US" b="1" dirty="0" smtClean="0">
+            <a:r>
+              <a:rPr lang="en-US" b="1" smtClean="0">
                 <a:solidFill>
                   <a:schemeClr val="tx1"/>
                 </a:solidFill>
               </a:rPr>
-              <a:t>Arrays</a:t>
+              <a:t>Set</a:t>
             </a:r>
             <a:endParaRPr lang="en-US" b="1" dirty="0">
               <a:solidFill>
@@ -3624,188 +3674,6 @@
     <p:extLst>
       <p:ext uri="{BB962C8B-B14F-4D97-AF65-F5344CB8AC3E}">
         <p14:creationId xmlns:p14="http://schemas.microsoft.com/office/powerpoint/2010/main" val="1330312486"/>
-      </p:ext>
-    </p:extLst>
-  </p:cSld>
-  <p:clrMapOvr>
-    <a:masterClrMapping/>
-  </p:clrMapOvr>
-</p:sld>
-</file>
-
-<file path=ppt/slides/slide2.xml><?xml version="1.0" encoding="utf-8"?>
-<p:sld xmlns:a="http://schemas.openxmlformats.org/drawingml/2006/main" xmlns:r="http://schemas.openxmlformats.org/officeDocument/2006/relationships" xmlns:p="http://schemas.openxmlformats.org/presentationml/2006/main">
-  <p:cSld>
-    <p:spTree>
-      <p:nvGrpSpPr>
-        <p:cNvPr id="1" name=""/>
-        <p:cNvGrpSpPr/>
-        <p:nvPr/>
-      </p:nvGrpSpPr>
-      <p:grpSpPr>
-        <a:xfrm>
-          <a:off x="0" y="0"/>
-          <a:ext cx="0" cy="0"/>
-          <a:chOff x="0" y="0"/>
-          <a:chExt cx="0" cy="0"/>
-        </a:xfrm>
-      </p:grpSpPr>
-      <p:sp>
-        <p:nvSpPr>
-          <p:cNvPr id="2" name="Title 1"/>
-          <p:cNvSpPr>
-            <a:spLocks noGrp="1"/>
-          </p:cNvSpPr>
-          <p:nvPr>
-            <p:ph type="title"/>
-          </p:nvPr>
-        </p:nvSpPr>
-        <p:spPr/>
-        <p:txBody>
-          <a:bodyPr/>
-          <a:lstStyle/>
-          <a:p>
-            <a:endParaRPr lang="en-US"/>
-          </a:p>
-        </p:txBody>
-      </p:sp>
-      <p:sp>
-        <p:nvSpPr>
-          <p:cNvPr id="3" name="Content Placeholder 2"/>
-          <p:cNvSpPr>
-            <a:spLocks noGrp="1"/>
-          </p:cNvSpPr>
-          <p:nvPr>
-            <p:ph idx="1"/>
-          </p:nvPr>
-        </p:nvSpPr>
-        <p:spPr/>
-        <p:txBody>
-          <a:bodyPr/>
-          <a:lstStyle/>
-          <a:p>
-            <a:endParaRPr lang="en-US"/>
-          </a:p>
-        </p:txBody>
-      </p:sp>
-      <p:sp>
-        <p:nvSpPr>
-          <p:cNvPr id="4" name="Footer Placeholder 3"/>
-          <p:cNvSpPr>
-            <a:spLocks noGrp="1"/>
-          </p:cNvSpPr>
-          <p:nvPr>
-            <p:ph type="ftr" sz="quarter" idx="11"/>
-          </p:nvPr>
-        </p:nvSpPr>
-        <p:spPr/>
-        <p:txBody>
-          <a:bodyPr/>
-          <a:lstStyle/>
-          <a:p>
-            <a:r>
-              <a:rPr lang="en-US" smtClean="0"/>
-              <a:t>Data Structures</a:t>
-            </a:r>
-            <a:endParaRPr lang="en-US"/>
-          </a:p>
-        </p:txBody>
-      </p:sp>
-    </p:spTree>
-    <p:extLst>
-      <p:ext uri="{BB962C8B-B14F-4D97-AF65-F5344CB8AC3E}">
-        <p14:creationId xmlns:p14="http://schemas.microsoft.com/office/powerpoint/2010/main" val="2899019480"/>
-      </p:ext>
-    </p:extLst>
-  </p:cSld>
-  <p:clrMapOvr>
-    <a:masterClrMapping/>
-  </p:clrMapOvr>
-</p:sld>
-</file>
-
-<file path=ppt/slides/slide3.xml><?xml version="1.0" encoding="utf-8"?>
-<p:sld xmlns:a="http://schemas.openxmlformats.org/drawingml/2006/main" xmlns:r="http://schemas.openxmlformats.org/officeDocument/2006/relationships" xmlns:p="http://schemas.openxmlformats.org/presentationml/2006/main">
-  <p:cSld>
-    <p:spTree>
-      <p:nvGrpSpPr>
-        <p:cNvPr id="1" name=""/>
-        <p:cNvGrpSpPr/>
-        <p:nvPr/>
-      </p:nvGrpSpPr>
-      <p:grpSpPr>
-        <a:xfrm>
-          <a:off x="0" y="0"/>
-          <a:ext cx="0" cy="0"/>
-          <a:chOff x="0" y="0"/>
-          <a:chExt cx="0" cy="0"/>
-        </a:xfrm>
-      </p:grpSpPr>
-      <p:sp>
-        <p:nvSpPr>
-          <p:cNvPr id="2" name="Title 1"/>
-          <p:cNvSpPr>
-            <a:spLocks noGrp="1"/>
-          </p:cNvSpPr>
-          <p:nvPr>
-            <p:ph type="title"/>
-          </p:nvPr>
-        </p:nvSpPr>
-        <p:spPr/>
-        <p:txBody>
-          <a:bodyPr/>
-          <a:lstStyle/>
-          <a:p>
-            <a:endParaRPr lang="en-US"/>
-          </a:p>
-        </p:txBody>
-      </p:sp>
-      <p:sp>
-        <p:nvSpPr>
-          <p:cNvPr id="3" name="Content Placeholder 2"/>
-          <p:cNvSpPr>
-            <a:spLocks noGrp="1"/>
-          </p:cNvSpPr>
-          <p:nvPr>
-            <p:ph idx="1"/>
-          </p:nvPr>
-        </p:nvSpPr>
-        <p:spPr/>
-        <p:txBody>
-          <a:bodyPr/>
-          <a:lstStyle/>
-          <a:p>
-            <a:endParaRPr lang="en-US"/>
-          </a:p>
-        </p:txBody>
-      </p:sp>
-      <p:sp>
-        <p:nvSpPr>
-          <p:cNvPr id="4" name="Footer Placeholder 3"/>
-          <p:cNvSpPr>
-            <a:spLocks noGrp="1"/>
-          </p:cNvSpPr>
-          <p:nvPr>
-            <p:ph type="ftr" sz="quarter" idx="11"/>
-          </p:nvPr>
-        </p:nvSpPr>
-        <p:spPr/>
-        <p:txBody>
-          <a:bodyPr/>
-          <a:lstStyle/>
-          <a:p>
-            <a:r>
-              <a:rPr lang="en-US" smtClean="0"/>
-              <a:t>Data Structures</a:t>
-            </a:r>
-            <a:endParaRPr lang="en-US"/>
-          </a:p>
-        </p:txBody>
-      </p:sp>
-    </p:spTree>
-    <p:extLst>
-      <p:ext uri="{BB962C8B-B14F-4D97-AF65-F5344CB8AC3E}">
-        <p14:creationId xmlns:p14="http://schemas.microsoft.com/office/powerpoint/2010/main" val="1948746016"/>
       </p:ext>
     </p:extLst>
   </p:cSld>
